--- a/Mahjong trainer.pptx
+++ b/Mahjong trainer.pptx
@@ -12575,7 +12575,7 @@
             <p:ph idx="1"/>
           </p:nvPr>
         </p:nvPicPr>
-        <p:blipFill>
+        <p:blipFill rotWithShape="1">
           <a:blip r:embed="rId2">
             <a:extLst>
               <a:ext uri="{28A0092B-C50C-407E-A947-70E740481C1C}">
@@ -12583,14 +12583,13 @@
               </a:ext>
             </a:extLst>
           </a:blip>
-          <a:stretch>
-            <a:fillRect/>
-          </a:stretch>
+          <a:srcRect t="4451"/>
+          <a:stretch/>
         </p:blipFill>
         <p:spPr>
           <a:xfrm>
-            <a:off x="4343551" y="1680633"/>
-            <a:ext cx="2448463" cy="5177367"/>
+            <a:off x="4370983" y="1108025"/>
+            <a:ext cx="2624177" cy="5301919"/>
           </a:xfrm>
         </p:spPr>
       </p:pic>
@@ -12602,7 +12601,7 @@
           </p:cNvPicPr>
           <p:nvPr/>
         </p:nvPicPr>
-        <p:blipFill>
+        <p:blipFill rotWithShape="1">
           <a:blip r:embed="rId3">
             <a:extLst>
               <a:ext uri="{28A0092B-C50C-407E-A947-70E740481C1C}">
@@ -12610,14 +12609,13 @@
               </a:ext>
             </a:extLst>
           </a:blip>
-          <a:stretch>
-            <a:fillRect/>
-          </a:stretch>
+          <a:srcRect t="4628"/>
+          <a:stretch/>
         </p:blipFill>
         <p:spPr>
           <a:xfrm>
-            <a:off x="678915" y="1680633"/>
-            <a:ext cx="2448464" cy="5177367"/>
+            <a:off x="678914" y="1551694"/>
+            <a:ext cx="2631213" cy="5306306"/>
           </a:xfrm>
           <a:prstGeom prst="rect">
             <a:avLst/>
@@ -12632,7 +12630,7 @@
           </p:cNvPicPr>
           <p:nvPr/>
         </p:nvPicPr>
-        <p:blipFill>
+        <p:blipFill rotWithShape="1">
           <a:blip r:embed="rId4">
             <a:extLst>
               <a:ext uri="{28A0092B-C50C-407E-A947-70E740481C1C}">
@@ -12640,14 +12638,13 @@
               </a:ext>
             </a:extLst>
           </a:blip>
-          <a:stretch>
-            <a:fillRect/>
-          </a:stretch>
+          <a:srcRect t="4451"/>
+          <a:stretch/>
         </p:blipFill>
         <p:spPr>
           <a:xfrm>
-            <a:off x="8008188" y="1680632"/>
-            <a:ext cx="2448464" cy="5177368"/>
+            <a:off x="8008188" y="1551695"/>
+            <a:ext cx="2626350" cy="5306306"/>
           </a:xfrm>
           <a:prstGeom prst="rect">
             <a:avLst/>
@@ -12667,7 +12664,165 @@
   <p:timing>
     <p:tnLst>
       <p:par>
-        <p:cTn id="1" dur="indefinite" restart="never" nodeType="tmRoot"/>
+        <p:cTn id="1" dur="indefinite" restart="never" nodeType="tmRoot">
+          <p:childTnLst>
+            <p:seq concurrent="1" nextAc="seek">
+              <p:cTn id="2" dur="indefinite" nodeType="mainSeq">
+                <p:childTnLst>
+                  <p:par>
+                    <p:cTn id="3" fill="hold">
+                      <p:stCondLst>
+                        <p:cond delay="indefinite"/>
+                      </p:stCondLst>
+                      <p:childTnLst>
+                        <p:par>
+                          <p:cTn id="4" fill="hold">
+                            <p:stCondLst>
+                              <p:cond delay="0"/>
+                            </p:stCondLst>
+                            <p:childTnLst>
+                              <p:par>
+                                <p:cTn id="5" presetID="1" presetClass="entr" presetSubtype="0" fill="hold" nodeType="clickEffect">
+                                  <p:stCondLst>
+                                    <p:cond delay="0"/>
+                                  </p:stCondLst>
+                                  <p:childTnLst>
+                                    <p:set>
+                                      <p:cBhvr>
+                                        <p:cTn id="6" dur="1" fill="hold">
+                                          <p:stCondLst>
+                                            <p:cond delay="0"/>
+                                          </p:stCondLst>
+                                        </p:cTn>
+                                        <p:tgtEl>
+                                          <p:spTgt spid="5"/>
+                                        </p:tgtEl>
+                                        <p:attrNameLst>
+                                          <p:attrName>style.visibility</p:attrName>
+                                        </p:attrNameLst>
+                                      </p:cBhvr>
+                                      <p:to>
+                                        <p:strVal val="visible"/>
+                                      </p:to>
+                                    </p:set>
+                                  </p:childTnLst>
+                                </p:cTn>
+                              </p:par>
+                            </p:childTnLst>
+                          </p:cTn>
+                        </p:par>
+                      </p:childTnLst>
+                    </p:cTn>
+                  </p:par>
+                  <p:par>
+                    <p:cTn id="7" fill="hold">
+                      <p:stCondLst>
+                        <p:cond delay="indefinite"/>
+                      </p:stCondLst>
+                      <p:childTnLst>
+                        <p:par>
+                          <p:cTn id="8" fill="hold">
+                            <p:stCondLst>
+                              <p:cond delay="0"/>
+                            </p:stCondLst>
+                            <p:childTnLst>
+                              <p:par>
+                                <p:cTn id="9" presetID="1" presetClass="entr" presetSubtype="0" fill="hold" nodeType="clickEffect">
+                                  <p:stCondLst>
+                                    <p:cond delay="0"/>
+                                  </p:stCondLst>
+                                  <p:childTnLst>
+                                    <p:set>
+                                      <p:cBhvr>
+                                        <p:cTn id="10" dur="1" fill="hold">
+                                          <p:stCondLst>
+                                            <p:cond delay="0"/>
+                                          </p:stCondLst>
+                                        </p:cTn>
+                                        <p:tgtEl>
+                                          <p:spTgt spid="4"/>
+                                        </p:tgtEl>
+                                        <p:attrNameLst>
+                                          <p:attrName>style.visibility</p:attrName>
+                                        </p:attrNameLst>
+                                      </p:cBhvr>
+                                      <p:to>
+                                        <p:strVal val="visible"/>
+                                      </p:to>
+                                    </p:set>
+                                  </p:childTnLst>
+                                </p:cTn>
+                              </p:par>
+                            </p:childTnLst>
+                          </p:cTn>
+                        </p:par>
+                      </p:childTnLst>
+                    </p:cTn>
+                  </p:par>
+                  <p:par>
+                    <p:cTn id="11" fill="hold">
+                      <p:stCondLst>
+                        <p:cond delay="indefinite"/>
+                      </p:stCondLst>
+                      <p:childTnLst>
+                        <p:par>
+                          <p:cTn id="12" fill="hold">
+                            <p:stCondLst>
+                              <p:cond delay="0"/>
+                            </p:stCondLst>
+                            <p:childTnLst>
+                              <p:par>
+                                <p:cTn id="13" presetID="1" presetClass="entr" presetSubtype="0" fill="hold" nodeType="clickEffect">
+                                  <p:stCondLst>
+                                    <p:cond delay="0"/>
+                                  </p:stCondLst>
+                                  <p:childTnLst>
+                                    <p:set>
+                                      <p:cBhvr>
+                                        <p:cTn id="14" dur="1" fill="hold">
+                                          <p:stCondLst>
+                                            <p:cond delay="0"/>
+                                          </p:stCondLst>
+                                        </p:cTn>
+                                        <p:tgtEl>
+                                          <p:spTgt spid="6"/>
+                                        </p:tgtEl>
+                                        <p:attrNameLst>
+                                          <p:attrName>style.visibility</p:attrName>
+                                        </p:attrNameLst>
+                                      </p:cBhvr>
+                                      <p:to>
+                                        <p:strVal val="visible"/>
+                                      </p:to>
+                                    </p:set>
+                                  </p:childTnLst>
+                                </p:cTn>
+                              </p:par>
+                            </p:childTnLst>
+                          </p:cTn>
+                        </p:par>
+                      </p:childTnLst>
+                    </p:cTn>
+                  </p:par>
+                </p:childTnLst>
+              </p:cTn>
+              <p:prevCondLst>
+                <p:cond evt="onPrev" delay="0">
+                  <p:tgtEl>
+                    <p:sldTgt/>
+                  </p:tgtEl>
+                </p:cond>
+              </p:prevCondLst>
+              <p:nextCondLst>
+                <p:cond evt="onNext" delay="0">
+                  <p:tgtEl>
+                    <p:sldTgt/>
+                  </p:tgtEl>
+                </p:cond>
+              </p:nextCondLst>
+            </p:seq>
+          </p:childTnLst>
+        </p:cTn>
       </p:par>
     </p:tnLst>
   </p:timing>
@@ -12725,7 +12880,7 @@
             <p:ph idx="1"/>
           </p:nvPr>
         </p:nvPicPr>
-        <p:blipFill>
+        <p:blipFill rotWithShape="1">
           <a:blip r:embed="rId2">
             <a:extLst>
               <a:ext uri="{28A0092B-C50C-407E-A947-70E740481C1C}">
@@ -12733,14 +12888,13 @@
               </a:ext>
             </a:extLst>
           </a:blip>
-          <a:stretch>
-            <a:fillRect/>
-          </a:stretch>
+          <a:srcRect t="4048"/>
+          <a:stretch/>
         </p:blipFill>
         <p:spPr>
           <a:xfrm>
-            <a:off x="4071191" y="528801"/>
-            <a:ext cx="2993184" cy="6329199"/>
+            <a:off x="4003648" y="528204"/>
+            <a:ext cx="3119753" cy="6329796"/>
           </a:xfrm>
         </p:spPr>
       </p:pic>
@@ -12766,8 +12920,8 @@
         </p:blipFill>
         <p:spPr>
           <a:xfrm>
-            <a:off x="2574599" y="528800"/>
-            <a:ext cx="2993184" cy="6329199"/>
+            <a:off x="4003649" y="520695"/>
+            <a:ext cx="3119752" cy="6329199"/>
           </a:xfrm>
           <a:prstGeom prst="rect">
             <a:avLst/>
@@ -12796,8 +12950,8 @@
         </p:blipFill>
         <p:spPr>
           <a:xfrm>
-            <a:off x="5567783" y="528800"/>
-            <a:ext cx="2993185" cy="6329200"/>
+            <a:off x="4003647" y="512589"/>
+            <a:ext cx="3119754" cy="6337305"/>
           </a:xfrm>
           <a:prstGeom prst="rect">
             <a:avLst/>
@@ -12812,7 +12966,7 @@
           </p:cNvPicPr>
           <p:nvPr/>
         </p:nvPicPr>
-        <p:blipFill>
+        <p:blipFill rotWithShape="1">
           <a:blip r:embed="rId5">
             <a:extLst>
               <a:ext uri="{28A0092B-C50C-407E-A947-70E740481C1C}">
@@ -12820,14 +12974,13 @@
               </a:ext>
             </a:extLst>
           </a:blip>
-          <a:stretch>
-            <a:fillRect/>
-          </a:stretch>
+          <a:srcRect t="4463"/>
+          <a:stretch/>
         </p:blipFill>
         <p:spPr>
           <a:xfrm>
-            <a:off x="2574598" y="528799"/>
-            <a:ext cx="2988577" cy="6319458"/>
+            <a:off x="4003646" y="517585"/>
+            <a:ext cx="3141059" cy="6356031"/>
           </a:xfrm>
           <a:prstGeom prst="rect">
             <a:avLst/>
@@ -12842,7 +12995,7 @@
           </p:cNvPicPr>
           <p:nvPr/>
         </p:nvPicPr>
-        <p:blipFill>
+        <p:blipFill rotWithShape="1">
           <a:blip r:embed="rId6">
             <a:extLst>
               <a:ext uri="{28A0092B-C50C-407E-A947-70E740481C1C}">
@@ -12850,14 +13003,13 @@
               </a:ext>
             </a:extLst>
           </a:blip>
-          <a:stretch>
-            <a:fillRect/>
-          </a:stretch>
+          <a:srcRect t="4338"/>
+          <a:stretch/>
         </p:blipFill>
         <p:spPr>
           <a:xfrm>
-            <a:off x="5563765" y="527681"/>
-            <a:ext cx="2993186" cy="6329202"/>
+            <a:off x="3982343" y="527382"/>
+            <a:ext cx="3141058" cy="6353743"/>
           </a:xfrm>
           <a:prstGeom prst="rect">
             <a:avLst/>
@@ -12993,15 +13145,33 @@
                                   </p:childTnLst>
                                 </p:cTn>
                               </p:par>
+                            </p:childTnLst>
+                          </p:cTn>
+                        </p:par>
+                      </p:childTnLst>
+                    </p:cTn>
+                  </p:par>
+                  <p:par>
+                    <p:cTn id="13" fill="hold">
+                      <p:stCondLst>
+                        <p:cond delay="indefinite"/>
+                      </p:stCondLst>
+                      <p:childTnLst>
+                        <p:par>
+                          <p:cTn id="14" fill="hold">
+                            <p:stCondLst>
+                              <p:cond delay="0"/>
+                            </p:stCondLst>
+                            <p:childTnLst>
                               <p:par>
-                                <p:cTn id="13" presetID="1" presetClass="entr" presetSubtype="0" fill="hold" nodeType="withEffect">
+                                <p:cTn id="15" presetID="1" presetClass="entr" presetSubtype="0" fill="hold" nodeType="clickEffect">
                                   <p:stCondLst>
                                     <p:cond delay="0"/>
                                   </p:stCondLst>
                                   <p:childTnLst>
                                     <p:set>
                                       <p:cBhvr>
-                                        <p:cTn id="14" dur="1" fill="hold">
+                                        <p:cTn id="16" dur="1" fill="hold">
                                           <p:stCondLst>
                                             <p:cond delay="0"/>
                                           </p:stCondLst>
@@ -13027,26 +13197,26 @@
                     </p:cTn>
                   </p:par>
                   <p:par>
-                    <p:cTn id="15" fill="hold">
+                    <p:cTn id="17" fill="hold">
                       <p:stCondLst>
                         <p:cond delay="indefinite"/>
                       </p:stCondLst>
                       <p:childTnLst>
                         <p:par>
-                          <p:cTn id="16" fill="hold">
+                          <p:cTn id="18" fill="hold">
                             <p:stCondLst>
                               <p:cond delay="0"/>
                             </p:stCondLst>
                             <p:childTnLst>
                               <p:par>
-                                <p:cTn id="17" presetID="1" presetClass="entr" presetSubtype="0" fill="hold" nodeType="clickEffect">
+                                <p:cTn id="19" presetID="1" presetClass="entr" presetSubtype="0" fill="hold" nodeType="clickEffect">
                                   <p:stCondLst>
                                     <p:cond delay="0"/>
                                   </p:stCondLst>
                                   <p:childTnLst>
                                     <p:set>
                                       <p:cBhvr>
-                                        <p:cTn id="18" dur="1" fill="hold">
+                                        <p:cTn id="20" dur="1" fill="hold">
                                           <p:stCondLst>
                                             <p:cond delay="0"/>
                                           </p:stCondLst>
@@ -13065,15 +13235,33 @@
                                   </p:childTnLst>
                                 </p:cTn>
                               </p:par>
+                            </p:childTnLst>
+                          </p:cTn>
+                        </p:par>
+                      </p:childTnLst>
+                    </p:cTn>
+                  </p:par>
+                  <p:par>
+                    <p:cTn id="21" fill="hold">
+                      <p:stCondLst>
+                        <p:cond delay="indefinite"/>
+                      </p:stCondLst>
+                      <p:childTnLst>
+                        <p:par>
+                          <p:cTn id="22" fill="hold">
+                            <p:stCondLst>
+                              <p:cond delay="0"/>
+                            </p:stCondLst>
+                            <p:childTnLst>
                               <p:par>
-                                <p:cTn id="19" presetID="1" presetClass="entr" presetSubtype="0" fill="hold" nodeType="withEffect">
+                                <p:cTn id="23" presetID="1" presetClass="entr" presetSubtype="0" fill="hold" nodeType="clickEffect">
                                   <p:stCondLst>
                                     <p:cond delay="0"/>
                                   </p:stCondLst>
                                   <p:childTnLst>
                                     <p:set>
                                       <p:cBhvr>
-                                        <p:cTn id="20" dur="1" fill="hold">
+                                        <p:cTn id="24" dur="1" fill="hold">
                                           <p:stCondLst>
                                             <p:cond delay="0"/>
                                           </p:stCondLst>
@@ -13314,6 +13502,13 @@
   <p:clrMapOvr>
     <a:masterClrMapping/>
   </p:clrMapOvr>
+  <p:timing>
+    <p:tnLst>
+      <p:par>
+        <p:cTn id="1" dur="indefinite" restart="never" nodeType="tmRoot"/>
+      </p:par>
+    </p:tnLst>
+  </p:timing>
 </p:sld>
 </file>
 
@@ -13687,7 +13882,15 @@
             <a:pPr lvl="1"/>
             <a:r>
               <a:rPr lang="ru-RU" dirty="0" smtClean="0"/>
-              <a:t>Приложение, в котором пользователь будет делать фото руки</a:t>
+              <a:t>Клиент</a:t>
+            </a:r>
+            <a:r>
+              <a:rPr lang="ru-RU" dirty="0" smtClean="0"/>
+              <a:t>, </a:t>
+            </a:r>
+            <a:r>
+              <a:rPr lang="ru-RU" dirty="0" smtClean="0"/>
+              <a:t>в котором пользователь будет делать фото руки</a:t>
             </a:r>
           </a:p>
           <a:p>
